--- a/ppt/typescript 2.pptx
+++ b/ppt/typescript 2.pptx
@@ -5,10 +5,16 @@
     <p:sldMasterId id="2147483648" r:id="rId1"/>
   </p:sldMasterIdLst>
   <p:notesMasterIdLst>
-    <p:notesMasterId r:id="rId3"/>
+    <p:notesMasterId r:id="rId9"/>
   </p:notesMasterIdLst>
   <p:sldIdLst>
     <p:sldId id="359" r:id="rId2"/>
+    <p:sldId id="360" r:id="rId3"/>
+    <p:sldId id="361" r:id="rId4"/>
+    <p:sldId id="362" r:id="rId5"/>
+    <p:sldId id="363" r:id="rId6"/>
+    <p:sldId id="364" r:id="rId7"/>
+    <p:sldId id="365" r:id="rId8"/>
   </p:sldIdLst>
   <p:sldSz cx="14401800" cy="10799763"/>
   <p:notesSz cx="6858000" cy="9144000"/>
@@ -208,7 +214,7 @@
           <a:p>
             <a:fld id="{6FEADF9D-C0B4-4EC0-A638-5AF47C59CC6F}" type="datetimeFigureOut">
               <a:rPr lang="zh-TW" altLang="en-US" smtClean="0"/>
-              <a:t>2018/3/20</a:t>
+              <a:t>2018/3/29</a:t>
             </a:fld>
             <a:endParaRPr lang="zh-TW" altLang="en-US"/>
           </a:p>
@@ -654,7 +660,7 @@
           <a:p>
             <a:fld id="{B0C2096B-8F25-4A85-A36A-FE38CCB1010D}" type="datetimeFigureOut">
               <a:rPr lang="zh-TW" altLang="en-US" smtClean="0"/>
-              <a:t>2018/3/20</a:t>
+              <a:t>2018/3/29</a:t>
             </a:fld>
             <a:endParaRPr lang="zh-TW" altLang="en-US"/>
           </a:p>
@@ -863,7 +869,7 @@
           <a:p>
             <a:fld id="{B0C2096B-8F25-4A85-A36A-FE38CCB1010D}" type="datetimeFigureOut">
               <a:rPr lang="zh-TW" altLang="en-US" smtClean="0"/>
-              <a:t>2018/3/20</a:t>
+              <a:t>2018/3/29</a:t>
             </a:fld>
             <a:endParaRPr lang="zh-TW" altLang="en-US"/>
           </a:p>
@@ -1041,7 +1047,7 @@
           <a:p>
             <a:fld id="{B0C2096B-8F25-4A85-A36A-FE38CCB1010D}" type="datetimeFigureOut">
               <a:rPr lang="zh-TW" altLang="en-US" smtClean="0"/>
-              <a:t>2018/3/20</a:t>
+              <a:t>2018/3/29</a:t>
             </a:fld>
             <a:endParaRPr lang="zh-TW" altLang="en-US"/>
           </a:p>
@@ -1209,7 +1215,7 @@
           <a:p>
             <a:fld id="{B0C2096B-8F25-4A85-A36A-FE38CCB1010D}" type="datetimeFigureOut">
               <a:rPr lang="zh-TW" altLang="en-US" smtClean="0"/>
-              <a:t>2018/3/20</a:t>
+              <a:t>2018/3/29</a:t>
             </a:fld>
             <a:endParaRPr lang="zh-TW" altLang="en-US"/>
           </a:p>
@@ -1454,7 +1460,7 @@
           <a:p>
             <a:fld id="{B0C2096B-8F25-4A85-A36A-FE38CCB1010D}" type="datetimeFigureOut">
               <a:rPr lang="zh-TW" altLang="en-US" smtClean="0"/>
-              <a:t>2018/3/20</a:t>
+              <a:t>2018/3/29</a:t>
             </a:fld>
             <a:endParaRPr lang="zh-TW" altLang="en-US"/>
           </a:p>
@@ -1739,7 +1745,7 @@
           <a:p>
             <a:fld id="{B0C2096B-8F25-4A85-A36A-FE38CCB1010D}" type="datetimeFigureOut">
               <a:rPr lang="zh-TW" altLang="en-US" smtClean="0"/>
-              <a:t>2018/3/20</a:t>
+              <a:t>2018/3/29</a:t>
             </a:fld>
             <a:endParaRPr lang="zh-TW" altLang="en-US"/>
           </a:p>
@@ -2158,7 +2164,7 @@
           <a:p>
             <a:fld id="{B0C2096B-8F25-4A85-A36A-FE38CCB1010D}" type="datetimeFigureOut">
               <a:rPr lang="zh-TW" altLang="en-US" smtClean="0"/>
-              <a:t>2018/3/20</a:t>
+              <a:t>2018/3/29</a:t>
             </a:fld>
             <a:endParaRPr lang="zh-TW" altLang="en-US"/>
           </a:p>
@@ -2275,7 +2281,7 @@
           <a:p>
             <a:fld id="{B0C2096B-8F25-4A85-A36A-FE38CCB1010D}" type="datetimeFigureOut">
               <a:rPr lang="zh-TW" altLang="en-US" smtClean="0"/>
-              <a:t>2018/3/20</a:t>
+              <a:t>2018/3/29</a:t>
             </a:fld>
             <a:endParaRPr lang="zh-TW" altLang="en-US"/>
           </a:p>
@@ -2370,7 +2376,7 @@
           <a:p>
             <a:fld id="{B0C2096B-8F25-4A85-A36A-FE38CCB1010D}" type="datetimeFigureOut">
               <a:rPr lang="zh-TW" altLang="en-US" smtClean="0"/>
-              <a:t>2018/3/20</a:t>
+              <a:t>2018/3/29</a:t>
             </a:fld>
             <a:endParaRPr lang="zh-TW" altLang="en-US"/>
           </a:p>
@@ -2645,7 +2651,7 @@
           <a:p>
             <a:fld id="{B0C2096B-8F25-4A85-A36A-FE38CCB1010D}" type="datetimeFigureOut">
               <a:rPr lang="zh-TW" altLang="en-US" smtClean="0"/>
-              <a:t>2018/3/20</a:t>
+              <a:t>2018/3/29</a:t>
             </a:fld>
             <a:endParaRPr lang="zh-TW" altLang="en-US"/>
           </a:p>
@@ -2897,7 +2903,7 @@
           <a:p>
             <a:fld id="{B0C2096B-8F25-4A85-A36A-FE38CCB1010D}" type="datetimeFigureOut">
               <a:rPr lang="zh-TW" altLang="en-US" smtClean="0"/>
-              <a:t>2018/3/20</a:t>
+              <a:t>2018/3/29</a:t>
             </a:fld>
             <a:endParaRPr lang="zh-TW" altLang="en-US"/>
           </a:p>
@@ -3117,7 +3123,7 @@
           <a:p>
             <a:fld id="{B0C2096B-8F25-4A85-A36A-FE38CCB1010D}" type="datetimeFigureOut">
               <a:rPr lang="zh-TW" altLang="en-US" smtClean="0"/>
-              <a:t>2018/3/20</a:t>
+              <a:t>2018/3/29</a:t>
             </a:fld>
             <a:endParaRPr lang="zh-TW" altLang="en-US"/>
           </a:p>
@@ -3631,6 +3637,485 @@
   <p:clrMapOvr>
     <a:masterClrMapping/>
   </p:clrMapOvr>
+</p:sld>
+</file>
+
+<file path=ppt/slides/slide2.xml><?xml version="1.0" encoding="utf-8"?>
+<p:sld xmlns:a="http://schemas.openxmlformats.org/drawingml/2006/main" xmlns:r="http://schemas.openxmlformats.org/officeDocument/2006/relationships" xmlns:p="http://schemas.openxmlformats.org/presentationml/2006/main">
+  <p:cSld>
+    <p:spTree>
+      <p:nvGrpSpPr>
+        <p:cNvPr id="1" name=""/>
+        <p:cNvGrpSpPr/>
+        <p:nvPr/>
+      </p:nvGrpSpPr>
+      <p:grpSpPr>
+        <a:xfrm>
+          <a:off x="0" y="0"/>
+          <a:ext cx="0" cy="0"/>
+          <a:chOff x="0" y="0"/>
+          <a:chExt cx="0" cy="0"/>
+        </a:xfrm>
+      </p:grpSpPr>
+      <p:pic>
+        <p:nvPicPr>
+          <p:cNvPr id="185" name="list3.gif" descr="list3.gif"/>
+          <p:cNvPicPr>
+            <a:picLocks/>
+          </p:cNvPicPr>
+          <p:nvPr/>
+        </p:nvPicPr>
+        <p:blipFill>
+          <a:blip r:embed="rId2">
+            <a:extLst/>
+          </a:blip>
+          <a:stretch>
+            <a:fillRect/>
+          </a:stretch>
+        </p:blipFill>
+        <p:spPr>
+          <a:xfrm>
+            <a:off x="2501807" y="879854"/>
+            <a:ext cx="9398189" cy="8100255"/>
+          </a:xfrm>
+          <a:prstGeom prst="rect">
+            <a:avLst/>
+          </a:prstGeom>
+          <a:ln w="12700">
+            <a:miter lim="400000"/>
+          </a:ln>
+        </p:spPr>
+      </p:pic>
+    </p:spTree>
+    <p:extLst>
+      <p:ext uri="{BB962C8B-B14F-4D97-AF65-F5344CB8AC3E}">
+        <p14:creationId xmlns:p14="http://schemas.microsoft.com/office/powerpoint/2010/main" val="991127134"/>
+      </p:ext>
+    </p:extLst>
+  </p:cSld>
+  <p:clrMapOvr>
+    <a:masterClrMapping/>
+  </p:clrMapOvr>
+</p:sld>
+</file>
+
+<file path=ppt/slides/slide3.xml><?xml version="1.0" encoding="utf-8"?>
+<p:sld xmlns:a="http://schemas.openxmlformats.org/drawingml/2006/main" xmlns:r="http://schemas.openxmlformats.org/officeDocument/2006/relationships" xmlns:p="http://schemas.openxmlformats.org/presentationml/2006/main">
+  <p:cSld>
+    <p:spTree>
+      <p:nvGrpSpPr>
+        <p:cNvPr id="1" name=""/>
+        <p:cNvGrpSpPr/>
+        <p:nvPr/>
+      </p:nvGrpSpPr>
+      <p:grpSpPr>
+        <a:xfrm>
+          <a:off x="0" y="0"/>
+          <a:ext cx="0" cy="0"/>
+          <a:chOff x="0" y="0"/>
+          <a:chExt cx="0" cy="0"/>
+        </a:xfrm>
+      </p:grpSpPr>
+      <p:pic>
+        <p:nvPicPr>
+          <p:cNvPr id="183" name="list1.gif" descr="list1.gif"/>
+          <p:cNvPicPr>
+            <a:picLocks/>
+          </p:cNvPicPr>
+          <p:nvPr/>
+        </p:nvPicPr>
+        <p:blipFill>
+          <a:blip r:embed="rId2">
+            <a:extLst/>
+          </a:blip>
+          <a:stretch>
+            <a:fillRect/>
+          </a:stretch>
+        </p:blipFill>
+        <p:spPr>
+          <a:xfrm>
+            <a:off x="2783801" y="1437082"/>
+            <a:ext cx="8834198" cy="7120238"/>
+          </a:xfrm>
+          <a:prstGeom prst="rect">
+            <a:avLst/>
+          </a:prstGeom>
+          <a:ln w="12700">
+            <a:miter lim="400000"/>
+          </a:ln>
+        </p:spPr>
+      </p:pic>
+    </p:spTree>
+    <p:extLst>
+      <p:ext uri="{BB962C8B-B14F-4D97-AF65-F5344CB8AC3E}">
+        <p14:creationId xmlns:p14="http://schemas.microsoft.com/office/powerpoint/2010/main" val="2227227401"/>
+      </p:ext>
+    </p:extLst>
+  </p:cSld>
+  <p:clrMapOvr>
+    <a:masterClrMapping/>
+  </p:clrMapOvr>
+  <mc:AlternateContent xmlns:mc="http://schemas.openxmlformats.org/markup-compatibility/2006" xmlns:p14="http://schemas.microsoft.com/office/powerpoint/2010/main">
+    <mc:Choice Requires="p14">
+      <p:transition spd="slow">
+        <p:dissolve/>
+      </p:transition>
+    </mc:Choice>
+    <mc:Fallback xmlns="">
+      <p:transition spd="med">
+        <p:fade/>
+      </p:transition>
+    </mc:Fallback>
+  </mc:AlternateContent>
+</p:sld>
+</file>
+
+<file path=ppt/slides/slide4.xml><?xml version="1.0" encoding="utf-8"?>
+<p:sld xmlns:a="http://schemas.openxmlformats.org/drawingml/2006/main" xmlns:r="http://schemas.openxmlformats.org/officeDocument/2006/relationships" xmlns:p="http://schemas.openxmlformats.org/presentationml/2006/main">
+  <p:cSld>
+    <p:spTree>
+      <p:nvGrpSpPr>
+        <p:cNvPr id="1" name=""/>
+        <p:cNvGrpSpPr/>
+        <p:nvPr/>
+      </p:nvGrpSpPr>
+      <p:grpSpPr>
+        <a:xfrm>
+          <a:off x="0" y="0"/>
+          <a:ext cx="0" cy="0"/>
+          <a:chOff x="0" y="0"/>
+          <a:chExt cx="0" cy="0"/>
+        </a:xfrm>
+      </p:grpSpPr>
+      <p:sp>
+        <p:nvSpPr>
+          <p:cNvPr id="169" name="文本框 81"/>
+          <p:cNvSpPr txBox="1"/>
+          <p:nvPr/>
+        </p:nvSpPr>
+        <p:spPr>
+          <a:xfrm>
+            <a:off x="4896091" y="3050381"/>
+            <a:ext cx="5112089" cy="4817619"/>
+          </a:xfrm>
+          <a:prstGeom prst="rect">
+            <a:avLst/>
+          </a:prstGeom>
+          <a:ln w="12700">
+            <a:miter lim="400000"/>
+          </a:ln>
+          <a:extLst>
+            <a:ext uri="{C572A759-6A51-4108-AA02-DFA0A04FC94B}">
+              <ma14:wrappingTextBoxFlag xmlns="" xmlns:ma14="http://schemas.microsoft.com/office/mac/drawingml/2011/main" val="1"/>
+            </a:ext>
+          </a:extLst>
+        </p:spPr>
+        <p:txBody>
+          <a:bodyPr lIns="72009" tIns="72009" rIns="72009" bIns="72009">
+            <a:spAutoFit/>
+          </a:bodyPr>
+          <a:lstStyle>
+            <a:lvl1pPr>
+              <a:defRPr sz="30000">
+                <a:solidFill>
+                  <a:srgbClr val="DBEEF4"/>
+                </a:solidFill>
+                <a:latin typeface="Century Gothic"/>
+                <a:ea typeface="Century Gothic"/>
+                <a:cs typeface="Century Gothic"/>
+                <a:sym typeface="Century Gothic"/>
+              </a:defRPr>
+            </a:lvl1pPr>
+          </a:lstStyle>
+          <a:p>
+            <a:r>
+              <a:t>03</a:t>
+            </a:r>
+          </a:p>
+        </p:txBody>
+      </p:sp>
+      <p:sp>
+        <p:nvSpPr>
+          <p:cNvPr id="170" name="Rectangle 18"/>
+          <p:cNvSpPr txBox="1"/>
+          <p:nvPr/>
+        </p:nvSpPr>
+        <p:spPr>
+          <a:xfrm>
+            <a:off x="2788940" y="4829270"/>
+            <a:ext cx="9643918" cy="1107992"/>
+          </a:xfrm>
+          <a:prstGeom prst="rect">
+            <a:avLst/>
+          </a:prstGeom>
+          <a:ln w="12700">
+            <a:miter lim="400000"/>
+          </a:ln>
+          <a:extLst>
+            <a:ext uri="{C572A759-6A51-4108-AA02-DFA0A04FC94B}">
+              <ma14:wrappingTextBoxFlag xmlns="" xmlns:ma14="http://schemas.microsoft.com/office/mac/drawingml/2011/main" val="1"/>
+            </a:ext>
+          </a:extLst>
+        </p:spPr>
+        <p:txBody>
+          <a:bodyPr wrap="none" lIns="45718" tIns="45718" rIns="45718" bIns="45718">
+            <a:spAutoFit/>
+          </a:bodyPr>
+          <a:lstStyle>
+            <a:lvl1pPr>
+              <a:defRPr sz="6600">
+                <a:solidFill>
+                  <a:srgbClr val="262626"/>
+                </a:solidFill>
+                <a:latin typeface="Microsoft YaHei"/>
+                <a:ea typeface="Microsoft YaHei"/>
+                <a:cs typeface="Microsoft YaHei"/>
+                <a:sym typeface="Microsoft YaHei"/>
+              </a:defRPr>
+            </a:lvl1pPr>
+          </a:lstStyle>
+          <a:p>
+            <a:r>
+              <a:t>TypeScript 语法简单介绍</a:t>
+            </a:r>
+          </a:p>
+        </p:txBody>
+      </p:sp>
+    </p:spTree>
+    <p:extLst>
+      <p:ext uri="{BB962C8B-B14F-4D97-AF65-F5344CB8AC3E}">
+        <p14:creationId xmlns:p14="http://schemas.microsoft.com/office/powerpoint/2010/main" val="441879506"/>
+      </p:ext>
+    </p:extLst>
+  </p:cSld>
+  <p:clrMapOvr>
+    <a:masterClrMapping/>
+  </p:clrMapOvr>
+  <mc:AlternateContent xmlns:mc="http://schemas.openxmlformats.org/markup-compatibility/2006" xmlns:p14="http://schemas.microsoft.com/office/powerpoint/2010/main">
+    <mc:Choice Requires="p14">
+      <p:transition spd="slow">
+        <p:dissolve/>
+      </p:transition>
+    </mc:Choice>
+    <mc:Fallback xmlns="">
+      <p:transition spd="med">
+        <p:fade/>
+      </p:transition>
+    </mc:Fallback>
+  </mc:AlternateContent>
+</p:sld>
+</file>
+
+<file path=ppt/slides/slide5.xml><?xml version="1.0" encoding="utf-8"?>
+<p:sld xmlns:a="http://schemas.openxmlformats.org/drawingml/2006/main" xmlns:r="http://schemas.openxmlformats.org/officeDocument/2006/relationships" xmlns:p="http://schemas.openxmlformats.org/presentationml/2006/main">
+  <p:cSld>
+    <p:spTree>
+      <p:nvGrpSpPr>
+        <p:cNvPr id="1" name=""/>
+        <p:cNvGrpSpPr/>
+        <p:nvPr/>
+      </p:nvGrpSpPr>
+      <p:grpSpPr>
+        <a:xfrm>
+          <a:off x="0" y="0"/>
+          <a:ext cx="0" cy="0"/>
+          <a:chOff x="0" y="0"/>
+          <a:chExt cx="0" cy="0"/>
+        </a:xfrm>
+      </p:grpSpPr>
+      <p:pic>
+        <p:nvPicPr>
+          <p:cNvPr id="172" name="屏幕快照 2018-03-10 下午3.28.28.png" descr="屏幕快照 2018-03-10 下午3.28.28.png"/>
+          <p:cNvPicPr>
+            <a:picLocks noChangeAspect="1"/>
+          </p:cNvPicPr>
+          <p:nvPr/>
+        </p:nvPicPr>
+        <p:blipFill>
+          <a:blip r:embed="rId2">
+            <a:extLst/>
+          </a:blip>
+          <a:stretch>
+            <a:fillRect/>
+          </a:stretch>
+        </p:blipFill>
+        <p:spPr>
+          <a:xfrm>
+            <a:off x="2704026" y="1677445"/>
+            <a:ext cx="8993748" cy="7444872"/>
+          </a:xfrm>
+          <a:prstGeom prst="rect">
+            <a:avLst/>
+          </a:prstGeom>
+          <a:ln w="12700">
+            <a:miter lim="400000"/>
+          </a:ln>
+        </p:spPr>
+      </p:pic>
+    </p:spTree>
+    <p:extLst>
+      <p:ext uri="{BB962C8B-B14F-4D97-AF65-F5344CB8AC3E}">
+        <p14:creationId xmlns:p14="http://schemas.microsoft.com/office/powerpoint/2010/main" val="1386659791"/>
+      </p:ext>
+    </p:extLst>
+  </p:cSld>
+  <p:clrMapOvr>
+    <a:masterClrMapping/>
+  </p:clrMapOvr>
+  <mc:AlternateContent xmlns:mc="http://schemas.openxmlformats.org/markup-compatibility/2006" xmlns:p14="http://schemas.microsoft.com/office/powerpoint/2010/main">
+    <mc:Choice Requires="p14">
+      <p:transition spd="slow">
+        <p:dissolve/>
+      </p:transition>
+    </mc:Choice>
+    <mc:Fallback xmlns="">
+      <p:transition spd="med">
+        <p:fade/>
+      </p:transition>
+    </mc:Fallback>
+  </mc:AlternateContent>
+</p:sld>
+</file>
+
+<file path=ppt/slides/slide6.xml><?xml version="1.0" encoding="utf-8"?>
+<p:sld xmlns:a="http://schemas.openxmlformats.org/drawingml/2006/main" xmlns:r="http://schemas.openxmlformats.org/officeDocument/2006/relationships" xmlns:p="http://schemas.openxmlformats.org/presentationml/2006/main">
+  <p:cSld>
+    <p:spTree>
+      <p:nvGrpSpPr>
+        <p:cNvPr id="1" name=""/>
+        <p:cNvGrpSpPr/>
+        <p:nvPr/>
+      </p:nvGrpSpPr>
+      <p:grpSpPr>
+        <a:xfrm>
+          <a:off x="0" y="0"/>
+          <a:ext cx="0" cy="0"/>
+          <a:chOff x="0" y="0"/>
+          <a:chExt cx="0" cy="0"/>
+        </a:xfrm>
+      </p:grpSpPr>
+      <p:pic>
+        <p:nvPicPr>
+          <p:cNvPr id="174" name="屏幕快照 2018-03-10 下午4.22.26.png" descr="屏幕快照 2018-03-10 下午4.22.26.png"/>
+          <p:cNvPicPr>
+            <a:picLocks noChangeAspect="1"/>
+          </p:cNvPicPr>
+          <p:nvPr/>
+        </p:nvPicPr>
+        <p:blipFill>
+          <a:blip r:embed="rId2">
+            <a:extLst/>
+          </a:blip>
+          <a:stretch>
+            <a:fillRect/>
+          </a:stretch>
+        </p:blipFill>
+        <p:spPr>
+          <a:xfrm>
+            <a:off x="2735858" y="826066"/>
+            <a:ext cx="8930149" cy="8182431"/>
+          </a:xfrm>
+          <a:prstGeom prst="rect">
+            <a:avLst/>
+          </a:prstGeom>
+          <a:ln w="12700">
+            <a:miter lim="400000"/>
+          </a:ln>
+        </p:spPr>
+      </p:pic>
+    </p:spTree>
+    <p:extLst>
+      <p:ext uri="{BB962C8B-B14F-4D97-AF65-F5344CB8AC3E}">
+        <p14:creationId xmlns:p14="http://schemas.microsoft.com/office/powerpoint/2010/main" val="560413988"/>
+      </p:ext>
+    </p:extLst>
+  </p:cSld>
+  <p:clrMapOvr>
+    <a:masterClrMapping/>
+  </p:clrMapOvr>
+  <mc:AlternateContent xmlns:mc="http://schemas.openxmlformats.org/markup-compatibility/2006" xmlns:p14="http://schemas.microsoft.com/office/powerpoint/2010/main">
+    <mc:Choice Requires="p14">
+      <p:transition spd="slow">
+        <p:dissolve/>
+      </p:transition>
+    </mc:Choice>
+    <mc:Fallback xmlns="">
+      <p:transition spd="med">
+        <p:fade/>
+      </p:transition>
+    </mc:Fallback>
+  </mc:AlternateContent>
+</p:sld>
+</file>
+
+<file path=ppt/slides/slide7.xml><?xml version="1.0" encoding="utf-8"?>
+<p:sld xmlns:a="http://schemas.openxmlformats.org/drawingml/2006/main" xmlns:r="http://schemas.openxmlformats.org/officeDocument/2006/relationships" xmlns:p="http://schemas.openxmlformats.org/presentationml/2006/main">
+  <p:cSld>
+    <p:spTree>
+      <p:nvGrpSpPr>
+        <p:cNvPr id="1" name=""/>
+        <p:cNvGrpSpPr/>
+        <p:nvPr/>
+      </p:nvGrpSpPr>
+      <p:grpSpPr>
+        <a:xfrm>
+          <a:off x="0" y="0"/>
+          <a:ext cx="0" cy="0"/>
+          <a:chOff x="0" y="0"/>
+          <a:chExt cx="0" cy="0"/>
+        </a:xfrm>
+      </p:grpSpPr>
+      <p:pic>
+        <p:nvPicPr>
+          <p:cNvPr id="176" name="屏幕快照 2018-03-10 下午5.08.11.png" descr="屏幕快照 2018-03-10 下午5.08.11.png"/>
+          <p:cNvPicPr>
+            <a:picLocks noChangeAspect="1"/>
+          </p:cNvPicPr>
+          <p:nvPr/>
+        </p:nvPicPr>
+        <p:blipFill>
+          <a:blip r:embed="rId2">
+            <a:extLst/>
+          </a:blip>
+          <a:stretch>
+            <a:fillRect/>
+          </a:stretch>
+        </p:blipFill>
+        <p:spPr>
+          <a:xfrm>
+            <a:off x="2617353" y="879027"/>
+            <a:ext cx="9167094" cy="8299812"/>
+          </a:xfrm>
+          <a:prstGeom prst="rect">
+            <a:avLst/>
+          </a:prstGeom>
+          <a:ln w="12700">
+            <a:miter lim="400000"/>
+          </a:ln>
+        </p:spPr>
+      </p:pic>
+    </p:spTree>
+    <p:extLst>
+      <p:ext uri="{BB962C8B-B14F-4D97-AF65-F5344CB8AC3E}">
+        <p14:creationId xmlns:p14="http://schemas.microsoft.com/office/powerpoint/2010/main" val="3757355897"/>
+      </p:ext>
+    </p:extLst>
+  </p:cSld>
+  <p:clrMapOvr>
+    <a:masterClrMapping/>
+  </p:clrMapOvr>
+  <mc:AlternateContent xmlns:mc="http://schemas.openxmlformats.org/markup-compatibility/2006" xmlns:p14="http://schemas.microsoft.com/office/powerpoint/2010/main">
+    <mc:Choice Requires="p14">
+      <p:transition spd="slow">
+        <p:dissolve/>
+      </p:transition>
+    </mc:Choice>
+    <mc:Fallback xmlns="">
+      <p:transition spd="med">
+        <p:fade/>
+      </p:transition>
+    </mc:Fallback>
+  </mc:AlternateContent>
 </p:sld>
 </file>
 
